--- a/Why CI.pptx
+++ b/Why CI.pptx
@@ -6,10 +6,11 @@
   </p:sldMasterIdLst>
   <p:sldIdLst>
     <p:sldId id="256" r:id="rId2"/>
-    <p:sldId id="257" r:id="rId3"/>
-    <p:sldId id="258" r:id="rId4"/>
-    <p:sldId id="259" r:id="rId5"/>
-    <p:sldId id="260" r:id="rId6"/>
+    <p:sldId id="261" r:id="rId3"/>
+    <p:sldId id="257" r:id="rId4"/>
+    <p:sldId id="258" r:id="rId5"/>
+    <p:sldId id="259" r:id="rId6"/>
+    <p:sldId id="260" r:id="rId7"/>
   </p:sldIdLst>
   <p:sldSz cx="12192000" cy="6858000"/>
   <p:notesSz cx="6858000" cy="9144000"/>
@@ -108,6 +109,11 @@
       </a:defRPr>
     </a:lvl9pPr>
   </p:defaultTextStyle>
+  <p:extLst>
+    <p:ext uri="{EFAFB233-063F-42B5-8137-9DF3F51BA10A}">
+      <p15:sldGuideLst xmlns:p15="http://schemas.microsoft.com/office/powerpoint/2012/main"/>
+    </p:ext>
+  </p:extLst>
 </p:presentation>
 </file>
 
@@ -3413,7 +3419,7 @@
           <p:cNvPr id="2" name="Title 1">
             <a:extLst>
               <a:ext uri="{FF2B5EF4-FFF2-40B4-BE49-F238E27FC236}">
-                <a16:creationId xmlns:a16="http://schemas.microsoft.com/office/drawing/2014/main" id="{99BC105C-47A5-0861-A10D-D39F5C31F1BF}"/>
+                <a16:creationId xmlns:a16="http://schemas.microsoft.com/office/drawing/2014/main" id="{96E2B0F4-402A-60F9-7098-327AF9D5F787}"/>
               </a:ext>
             </a:extLst>
           </p:cNvPr>
@@ -3431,7 +3437,7 @@
           <a:p>
             <a:r>
               <a:rPr lang="en-US" dirty="0"/>
-              <a:t>We can decrease human errors</a:t>
+              <a:t>What is CI/CD</a:t>
             </a:r>
           </a:p>
         </p:txBody>
@@ -3441,7 +3447,7 @@
           <p:cNvPr id="3" name="Content Placeholder 2">
             <a:extLst>
               <a:ext uri="{FF2B5EF4-FFF2-40B4-BE49-F238E27FC236}">
-                <a16:creationId xmlns:a16="http://schemas.microsoft.com/office/drawing/2014/main" id="{B4E73A35-CD4B-F9C9-50DC-51E6F066A408}"/>
+                <a16:creationId xmlns:a16="http://schemas.microsoft.com/office/drawing/2014/main" id="{6E901BE9-A261-DF13-4EB1-DDC5FE90EB79}"/>
               </a:ext>
             </a:extLst>
           </p:cNvPr>
@@ -3454,32 +3460,67 @@
         </p:nvSpPr>
         <p:spPr/>
         <p:txBody>
-          <a:bodyPr/>
+          <a:bodyPr>
+            <a:normAutofit fontScale="92500" lnSpcReduction="10000"/>
+          </a:bodyPr>
           <a:lstStyle/>
           <a:p>
             <a:r>
               <a:rPr lang="en-US" dirty="0"/>
-              <a:t>Use Infrastructure as Code to make sure that testing and deployment environments are consistent across iterations.</a:t>
+              <a:t>CI/CD is shorthand for Continuous Integration/Continuous Delivery</a:t>
             </a:r>
           </a:p>
           <a:p>
             <a:r>
               <a:rPr lang="en-US" dirty="0"/>
-              <a:t>We include testing to code quality and security so that if it fails it doesn’t get to be produced. </a:t>
-            </a:r>
-          </a:p>
-          <a:p>
+              <a:t>What is CI?</a:t>
+            </a:r>
+          </a:p>
+          <a:p>
+            <a:pPr lvl="1"/>
             <a:r>
               <a:rPr lang="en-US" dirty="0"/>
-              <a:t>The tests are written once, hence consistent for every build.</a:t>
-            </a:r>
+              <a:t>Continuous Integration is process of merging developers’ work to a single mainline several times a day. Meaning each developer works on their version then we merge all their versions and build this final version several times.</a:t>
+            </a:r>
+          </a:p>
+          <a:p>
+            <a:r>
+              <a:rPr lang="en-US" dirty="0"/>
+              <a:t>What is CD?</a:t>
+            </a:r>
+          </a:p>
+          <a:p>
+            <a:pPr lvl="1"/>
+            <a:r>
+              <a:rPr lang="en-US" dirty="0"/>
+              <a:t>Continuous Deployment is </a:t>
+            </a:r>
+            <a:r>
+              <a:rPr lang="en-US" dirty="0" err="1"/>
+              <a:t>is</a:t>
+            </a:r>
+            <a:r>
+              <a:rPr lang="en-US" dirty="0"/>
+              <a:t> a software engineering approach in which software functionalities are delivered frequently and through automated deployments. That means we build the environment and bake in the dependencies automatically through code.</a:t>
+            </a:r>
+          </a:p>
+          <a:p>
+            <a:r>
+              <a:rPr lang="en-US" dirty="0"/>
+              <a:t>CI/CD enables Continuous Delivery: The delivery of value in very short periods of time and frequently. Value is Software and </a:t>
+            </a:r>
+            <a:r>
+              <a:rPr lang="en-US"/>
+              <a:t>new features.</a:t>
+            </a:r>
+            <a:endParaRPr lang="en-US" dirty="0"/>
           </a:p>
         </p:txBody>
       </p:sp>
     </p:spTree>
     <p:extLst>
       <p:ext uri="{BB962C8B-B14F-4D97-AF65-F5344CB8AC3E}">
-        <p14:creationId xmlns:p14="http://schemas.microsoft.com/office/powerpoint/2010/main" val="3624815490"/>
+        <p14:creationId xmlns:p14="http://schemas.microsoft.com/office/powerpoint/2010/main" val="4085649594"/>
       </p:ext>
     </p:extLst>
   </p:cSld>
@@ -3511,7 +3552,7 @@
           <p:cNvPr id="2" name="Title 1">
             <a:extLst>
               <a:ext uri="{FF2B5EF4-FFF2-40B4-BE49-F238E27FC236}">
-                <a16:creationId xmlns:a16="http://schemas.microsoft.com/office/drawing/2014/main" id="{5AD7BD6A-FB06-9437-A2E4-346DB8EBD4EA}"/>
+                <a16:creationId xmlns:a16="http://schemas.microsoft.com/office/drawing/2014/main" id="{99BC105C-47A5-0861-A10D-D39F5C31F1BF}"/>
               </a:ext>
             </a:extLst>
           </p:cNvPr>
@@ -3529,7 +3570,7 @@
           <a:p>
             <a:r>
               <a:rPr lang="en-US" dirty="0"/>
-              <a:t>Better visibility</a:t>
+              <a:t>We can decrease human errors</a:t>
             </a:r>
           </a:p>
         </p:txBody>
@@ -3539,7 +3580,7 @@
           <p:cNvPr id="3" name="Content Placeholder 2">
             <a:extLst>
               <a:ext uri="{FF2B5EF4-FFF2-40B4-BE49-F238E27FC236}">
-                <a16:creationId xmlns:a16="http://schemas.microsoft.com/office/drawing/2014/main" id="{422FDBF2-8945-3D1A-1C49-3833F46DED30}"/>
+                <a16:creationId xmlns:a16="http://schemas.microsoft.com/office/drawing/2014/main" id="{B4E73A35-CD4B-F9C9-50DC-51E6F066A408}"/>
               </a:ext>
             </a:extLst>
           </p:cNvPr>
@@ -3557,19 +3598,19 @@
           <a:p>
             <a:r>
               <a:rPr lang="en-US" dirty="0"/>
-              <a:t>When there is an error or failure, stakeholders are notified promptly.</a:t>
+              <a:t>Use Infrastructure as Code to make sure that testing and deployment environments are consistent across iterations.</a:t>
             </a:r>
           </a:p>
           <a:p>
             <a:r>
               <a:rPr lang="en-US" dirty="0"/>
-              <a:t>This can ensure timely fixing and product quality.</a:t>
+              <a:t>We include testing to code quality and security so that if it fails it doesn’t get to be produced. </a:t>
             </a:r>
           </a:p>
           <a:p>
             <a:r>
               <a:rPr lang="en-US" dirty="0"/>
-              <a:t>We can proactively monitor services to prevent failures by sending alerts for would-be problems.</a:t>
+              <a:t>The tests are written once, hence consistent for every build.</a:t>
             </a:r>
           </a:p>
         </p:txBody>
@@ -3577,7 +3618,7 @@
     </p:spTree>
     <p:extLst>
       <p:ext uri="{BB962C8B-B14F-4D97-AF65-F5344CB8AC3E}">
-        <p14:creationId xmlns:p14="http://schemas.microsoft.com/office/powerpoint/2010/main" val="2947421791"/>
+        <p14:creationId xmlns:p14="http://schemas.microsoft.com/office/powerpoint/2010/main" val="3624815490"/>
       </p:ext>
     </p:extLst>
   </p:cSld>
@@ -3609,6 +3650,104 @@
           <p:cNvPr id="2" name="Title 1">
             <a:extLst>
               <a:ext uri="{FF2B5EF4-FFF2-40B4-BE49-F238E27FC236}">
+                <a16:creationId xmlns:a16="http://schemas.microsoft.com/office/drawing/2014/main" id="{5AD7BD6A-FB06-9437-A2E4-346DB8EBD4EA}"/>
+              </a:ext>
+            </a:extLst>
+          </p:cNvPr>
+          <p:cNvSpPr>
+            <a:spLocks noGrp="1"/>
+          </p:cNvSpPr>
+          <p:nvPr>
+            <p:ph type="title"/>
+          </p:nvPr>
+        </p:nvSpPr>
+        <p:spPr/>
+        <p:txBody>
+          <a:bodyPr/>
+          <a:lstStyle/>
+          <a:p>
+            <a:r>
+              <a:rPr lang="en-US" dirty="0"/>
+              <a:t>Better visibility</a:t>
+            </a:r>
+          </a:p>
+        </p:txBody>
+      </p:sp>
+      <p:sp>
+        <p:nvSpPr>
+          <p:cNvPr id="3" name="Content Placeholder 2">
+            <a:extLst>
+              <a:ext uri="{FF2B5EF4-FFF2-40B4-BE49-F238E27FC236}">
+                <a16:creationId xmlns:a16="http://schemas.microsoft.com/office/drawing/2014/main" id="{422FDBF2-8945-3D1A-1C49-3833F46DED30}"/>
+              </a:ext>
+            </a:extLst>
+          </p:cNvPr>
+          <p:cNvSpPr>
+            <a:spLocks noGrp="1"/>
+          </p:cNvSpPr>
+          <p:nvPr>
+            <p:ph idx="1"/>
+          </p:nvPr>
+        </p:nvSpPr>
+        <p:spPr/>
+        <p:txBody>
+          <a:bodyPr/>
+          <a:lstStyle/>
+          <a:p>
+            <a:r>
+              <a:rPr lang="en-US" dirty="0"/>
+              <a:t>When there is an error or failure, stakeholders are notified promptly.</a:t>
+            </a:r>
+          </a:p>
+          <a:p>
+            <a:r>
+              <a:rPr lang="en-US" dirty="0"/>
+              <a:t>This can ensure timely fixing and product quality.</a:t>
+            </a:r>
+          </a:p>
+          <a:p>
+            <a:r>
+              <a:rPr lang="en-US" dirty="0"/>
+              <a:t>We can proactively monitor services to prevent failures by sending alerts for would-be problems.</a:t>
+            </a:r>
+          </a:p>
+        </p:txBody>
+      </p:sp>
+    </p:spTree>
+    <p:extLst>
+      <p:ext uri="{BB962C8B-B14F-4D97-AF65-F5344CB8AC3E}">
+        <p14:creationId xmlns:p14="http://schemas.microsoft.com/office/powerpoint/2010/main" val="2947421791"/>
+      </p:ext>
+    </p:extLst>
+  </p:cSld>
+  <p:clrMapOvr>
+    <a:masterClrMapping/>
+  </p:clrMapOvr>
+</p:sld>
+</file>
+
+<file path=ppt/slides/slide5.xml><?xml version="1.0" encoding="utf-8"?>
+<p:sld xmlns:a="http://schemas.openxmlformats.org/drawingml/2006/main" xmlns:r="http://schemas.openxmlformats.org/officeDocument/2006/relationships" xmlns:p="http://schemas.openxmlformats.org/presentationml/2006/main">
+  <p:cSld>
+    <p:spTree>
+      <p:nvGrpSpPr>
+        <p:cNvPr id="1" name=""/>
+        <p:cNvGrpSpPr/>
+        <p:nvPr/>
+      </p:nvGrpSpPr>
+      <p:grpSpPr>
+        <a:xfrm>
+          <a:off x="0" y="0"/>
+          <a:ext cx="0" cy="0"/>
+          <a:chOff x="0" y="0"/>
+          <a:chExt cx="0" cy="0"/>
+        </a:xfrm>
+      </p:grpSpPr>
+      <p:sp>
+        <p:nvSpPr>
+          <p:cNvPr id="2" name="Title 1">
+            <a:extLst>
+              <a:ext uri="{FF2B5EF4-FFF2-40B4-BE49-F238E27FC236}">
                 <a16:creationId xmlns:a16="http://schemas.microsoft.com/office/drawing/2014/main" id="{A7AC034E-ED08-D1CC-F3B2-4C2B31851935}"/>
               </a:ext>
             </a:extLst>
@@ -3706,7 +3845,7 @@
 </p:sld>
 </file>
 
-<file path=ppt/slides/slide5.xml><?xml version="1.0" encoding="utf-8"?>
+<file path=ppt/slides/slide6.xml><?xml version="1.0" encoding="utf-8"?>
 <p:sld xmlns:a="http://schemas.openxmlformats.org/drawingml/2006/main" xmlns:r="http://schemas.openxmlformats.org/officeDocument/2006/relationships" xmlns:p="http://schemas.openxmlformats.org/presentationml/2006/main">
   <p:cSld>
     <p:spTree>
